--- a/Potyondi Zsombor/A Mesterséges Intelligencia Történelme.pptx
+++ b/Potyondi Zsombor/A Mesterséges Intelligencia Történelme.pptx
@@ -2551,6 +2551,18 @@
   <p:clrMapOvr>
     <a:masterClrMapping/>
   </p:clrMapOvr>
+  <mc:AlternateContent xmlns:mc="http://schemas.openxmlformats.org/markup-compatibility/2006">
+    <mc:Choice xmlns:p14="http://schemas.microsoft.com/office/powerpoint/2010/main" Requires="p14">
+      <p:transition spd="slow" p14:dur="1500">
+        <p14:reveal/>
+      </p:transition>
+    </mc:Choice>
+    <mc:Fallback>
+      <p:transition spd="slow">
+        <p:fade/>
+      </p:transition>
+    </mc:Fallback>
+  </mc:AlternateContent>
 </p:sldLayout>
 </file>
 
@@ -2955,6 +2967,18 @@
   <p:clrMapOvr>
     <a:masterClrMapping/>
   </p:clrMapOvr>
+  <mc:AlternateContent xmlns:mc="http://schemas.openxmlformats.org/markup-compatibility/2006">
+    <mc:Choice xmlns:p14="http://schemas.microsoft.com/office/powerpoint/2010/main" Requires="p14">
+      <p:transition spd="slow" p14:dur="1500">
+        <p14:reveal/>
+      </p:transition>
+    </mc:Choice>
+    <mc:Fallback>
+      <p:transition spd="slow">
+        <p:fade/>
+      </p:transition>
+    </mc:Fallback>
+  </mc:AlternateContent>
 </p:sldLayout>
 </file>
 
@@ -3059,6 +3083,18 @@
   <p:clrMapOvr>
     <a:masterClrMapping/>
   </p:clrMapOvr>
+  <mc:AlternateContent xmlns:mc="http://schemas.openxmlformats.org/markup-compatibility/2006">
+    <mc:Choice xmlns:p14="http://schemas.microsoft.com/office/powerpoint/2010/main" Requires="p14">
+      <p:transition spd="slow" p14:dur="1500">
+        <p14:reveal/>
+      </p:transition>
+    </mc:Choice>
+    <mc:Fallback>
+      <p:transition spd="slow">
+        <p:fade/>
+      </p:transition>
+    </mc:Fallback>
+  </mc:AlternateContent>
 </p:sldLayout>
 </file>
 
@@ -3425,6 +3461,18 @@
   <p:clrMapOvr>
     <a:masterClrMapping/>
   </p:clrMapOvr>
+  <mc:AlternateContent xmlns:mc="http://schemas.openxmlformats.org/markup-compatibility/2006">
+    <mc:Choice xmlns:p14="http://schemas.microsoft.com/office/powerpoint/2010/main" Requires="p14">
+      <p:transition spd="slow" p14:dur="1500">
+        <p14:reveal/>
+      </p:transition>
+    </mc:Choice>
+    <mc:Fallback>
+      <p:transition spd="slow">
+        <p:fade/>
+      </p:transition>
+    </mc:Fallback>
+  </mc:AlternateContent>
 </p:sldLayout>
 </file>
 
@@ -3827,6 +3875,18 @@
   <p:clrMapOvr>
     <a:masterClrMapping/>
   </p:clrMapOvr>
+  <mc:AlternateContent xmlns:mc="http://schemas.openxmlformats.org/markup-compatibility/2006">
+    <mc:Choice xmlns:p14="http://schemas.microsoft.com/office/powerpoint/2010/main" Requires="p14">
+      <p:transition spd="slow" p14:dur="1500">
+        <p14:reveal/>
+      </p:transition>
+    </mc:Choice>
+    <mc:Fallback>
+      <p:transition spd="slow">
+        <p:fade/>
+      </p:transition>
+    </mc:Fallback>
+  </mc:AlternateContent>
 </p:sldLayout>
 </file>
 
@@ -4318,6 +4378,18 @@
   <p:clrMapOvr>
     <a:masterClrMapping/>
   </p:clrMapOvr>
+  <mc:AlternateContent xmlns:mc="http://schemas.openxmlformats.org/markup-compatibility/2006">
+    <mc:Choice xmlns:p14="http://schemas.microsoft.com/office/powerpoint/2010/main" Requires="p14">
+      <p:transition spd="slow" p14:dur="1500">
+        <p14:reveal/>
+      </p:transition>
+    </mc:Choice>
+    <mc:Fallback>
+      <p:transition spd="slow">
+        <p:fade/>
+      </p:transition>
+    </mc:Fallback>
+  </mc:AlternateContent>
 </p:sldLayout>
 </file>
 
@@ -4551,6 +4623,18 @@
   <p:clrMapOvr>
     <a:masterClrMapping/>
   </p:clrMapOvr>
+  <mc:AlternateContent xmlns:mc="http://schemas.openxmlformats.org/markup-compatibility/2006">
+    <mc:Choice xmlns:p14="http://schemas.microsoft.com/office/powerpoint/2010/main" Requires="p14">
+      <p:transition spd="slow" p14:dur="1500">
+        <p14:reveal/>
+      </p:transition>
+    </mc:Choice>
+    <mc:Fallback>
+      <p:transition spd="slow">
+        <p:fade/>
+      </p:transition>
+    </mc:Fallback>
+  </mc:AlternateContent>
 </p:sldLayout>
 </file>
 
@@ -4913,6 +4997,18 @@
   <p:clrMapOvr>
     <a:masterClrMapping/>
   </p:clrMapOvr>
+  <mc:AlternateContent xmlns:mc="http://schemas.openxmlformats.org/markup-compatibility/2006">
+    <mc:Choice xmlns:p14="http://schemas.microsoft.com/office/powerpoint/2010/main" Requires="p14">
+      <p:transition spd="slow" p14:dur="1500">
+        <p14:reveal/>
+      </p:transition>
+    </mc:Choice>
+    <mc:Fallback>
+      <p:transition spd="slow">
+        <p:fade/>
+      </p:transition>
+    </mc:Fallback>
+  </mc:AlternateContent>
 </p:sldLayout>
 </file>
 
@@ -5154,6 +5250,18 @@
   <p:clrMapOvr>
     <a:masterClrMapping/>
   </p:clrMapOvr>
+  <mc:AlternateContent xmlns:mc="http://schemas.openxmlformats.org/markup-compatibility/2006">
+    <mc:Choice xmlns:p14="http://schemas.microsoft.com/office/powerpoint/2010/main" Requires="p14">
+      <p:transition spd="slow" p14:dur="1500">
+        <p14:reveal/>
+      </p:transition>
+    </mc:Choice>
+    <mc:Fallback>
+      <p:transition spd="slow">
+        <p:fade/>
+      </p:transition>
+    </mc:Fallback>
+  </mc:AlternateContent>
 </p:sldLayout>
 </file>
 
@@ -5837,6 +5945,18 @@
   <p:clrMapOvr>
     <a:masterClrMapping/>
   </p:clrMapOvr>
+  <mc:AlternateContent xmlns:mc="http://schemas.openxmlformats.org/markup-compatibility/2006">
+    <mc:Choice xmlns:p14="http://schemas.microsoft.com/office/powerpoint/2010/main" Requires="p14">
+      <p:transition spd="slow" p14:dur="1500">
+        <p14:reveal/>
+      </p:transition>
+    </mc:Choice>
+    <mc:Fallback>
+      <p:transition spd="slow">
+        <p:fade/>
+      </p:transition>
+    </mc:Fallback>
+  </mc:AlternateContent>
 </p:sldLayout>
 </file>
 
@@ -5985,6 +6105,18 @@
   <p:clrMapOvr>
     <a:masterClrMapping/>
   </p:clrMapOvr>
+  <mc:AlternateContent xmlns:mc="http://schemas.openxmlformats.org/markup-compatibility/2006">
+    <mc:Choice xmlns:p14="http://schemas.microsoft.com/office/powerpoint/2010/main" Requires="p14">
+      <p:transition spd="slow" p14:dur="1500">
+        <p14:reveal/>
+      </p:transition>
+    </mc:Choice>
+    <mc:Fallback>
+      <p:transition spd="slow">
+        <p:fade/>
+      </p:transition>
+    </mc:Fallback>
+  </mc:AlternateContent>
 </p:sldLayout>
 </file>
 
@@ -6693,6 +6825,18 @@
     <p:sldLayoutId id="2147483657" r:id="rId10"/>
     <p:sldLayoutId id="2147483658" r:id="rId11"/>
   </p:sldLayoutIdLst>
+  <mc:AlternateContent xmlns:mc="http://schemas.openxmlformats.org/markup-compatibility/2006">
+    <mc:Choice xmlns:p14="http://schemas.microsoft.com/office/powerpoint/2010/main" Requires="p14">
+      <p:transition spd="slow" p14:dur="1500">
+        <p14:reveal/>
+      </p:transition>
+    </mc:Choice>
+    <mc:Fallback>
+      <p:transition spd="slow">
+        <p:fade/>
+      </p:transition>
+    </mc:Fallback>
+  </mc:AlternateContent>
   <p:hf sldNum="0" hdr="0" ftr="0" dt="0"/>
   <p:txStyles>
     <p:titleStyle>
@@ -7452,10 +7596,18 @@
               <a:buNone/>
             </a:pPr>
             <a:r>
-              <a:rPr lang="hu"/>
-              <a:t>A Mesterséges Intelligencia Történelme</a:t>
+              <a:rPr lang="hu" dirty="0"/>
+              <a:t>A </a:t>
             </a:r>
-            <a:endParaRPr/>
+            <a:r>
+              <a:rPr lang="hu-HU" dirty="0"/>
+              <a:t>m</a:t>
+            </a:r>
+            <a:r>
+              <a:rPr lang="hu" dirty="0"/>
+              <a:t>esterséges intelligencia történelme</a:t>
+            </a:r>
+            <a:endParaRPr dirty="0"/>
           </a:p>
         </p:txBody>
       </p:sp>
@@ -7490,10 +7642,10 @@
               <a:buNone/>
             </a:pPr>
             <a:r>
-              <a:rPr lang="hu"/>
+              <a:rPr lang="hu" dirty="0"/>
               <a:t>Rövid áttekintés a mesterséges intelligencia (MI) jelentőségéről és fejlődéséről.</a:t>
             </a:r>
-            <a:endParaRPr/>
+            <a:endParaRPr dirty="0"/>
           </a:p>
         </p:txBody>
       </p:sp>
@@ -7504,7 +7656,7 @@
   </p:clrMapOvr>
   <mc:AlternateContent xmlns:mc="http://schemas.openxmlformats.org/markup-compatibility/2006">
     <mc:Choice xmlns:p14="http://schemas.microsoft.com/office/powerpoint/2010/main" Requires="p14">
-      <p:transition spd="slow" p14:dur="3400">
+      <p:transition spd="slow" p14:dur="1500">
         <p14:reveal/>
       </p:transition>
     </mc:Choice>
@@ -7572,7 +7724,7 @@
         </p:spPr>
         <p:txBody>
           <a:bodyPr spcFirstLastPara="1" wrap="square" lIns="91425" tIns="91425" rIns="91425" bIns="91425" anchor="t" anchorCtr="0">
-            <a:normAutofit fontScale="90000"/>
+            <a:noAutofit/>
           </a:bodyPr>
           <a:lstStyle/>
           <a:p>
@@ -7589,14 +7741,14 @@
               <a:buNone/>
             </a:pPr>
             <a:r>
-              <a:rPr lang="hu" sz="2200">
+              <a:rPr lang="hu" sz="2400" dirty="0">
                 <a:solidFill>
                   <a:schemeClr val="lt1"/>
                 </a:solidFill>
               </a:rPr>
               <a:t>Az MI alkalmazásai</a:t>
             </a:r>
-            <a:endParaRPr sz="2200">
+            <a:endParaRPr sz="2400" dirty="0">
               <a:solidFill>
                 <a:schemeClr val="lt1"/>
               </a:solidFill>
@@ -7643,7 +7795,7 @@
               <a:buChar char="●"/>
             </a:pPr>
             <a:r>
-              <a:rPr lang="hu" sz="1100" b="1">
+              <a:rPr lang="hu" sz="1400" b="1" dirty="0">
                 <a:solidFill>
                   <a:schemeClr val="lt1"/>
                 </a:solidFill>
@@ -7655,7 +7807,7 @@
               <a:t>Egészségügy:</a:t>
             </a:r>
             <a:r>
-              <a:rPr lang="hu" sz="1100">
+              <a:rPr lang="hu" sz="1400" dirty="0">
                 <a:solidFill>
                   <a:schemeClr val="lt1"/>
                 </a:solidFill>
@@ -7666,7 +7818,7 @@
               </a:rPr>
               <a:t> Diagnosztikai rendszerek, személyre szabott orvoslás.</a:t>
             </a:r>
-            <a:endParaRPr sz="1100">
+            <a:endParaRPr sz="1400" dirty="0">
               <a:solidFill>
                 <a:schemeClr val="lt1"/>
               </a:solidFill>
@@ -7686,7 +7838,7 @@
               </a:spcAft>
               <a:buNone/>
             </a:pPr>
-            <a:endParaRPr sz="1100">
+            <a:endParaRPr sz="1100" dirty="0">
               <a:solidFill>
                 <a:schemeClr val="lt1"/>
               </a:solidFill>
@@ -7712,7 +7864,7 @@
               <a:buChar char="●"/>
             </a:pPr>
             <a:r>
-              <a:rPr lang="hu" sz="1100" b="1">
+              <a:rPr lang="hu" sz="1400" b="1" dirty="0">
                 <a:solidFill>
                   <a:schemeClr val="lt1"/>
                 </a:solidFill>
@@ -7724,7 +7876,7 @@
               <a:t>Autonóm járművek:</a:t>
             </a:r>
             <a:r>
-              <a:rPr lang="hu" sz="1100">
+              <a:rPr lang="hu" sz="1400" dirty="0">
                 <a:solidFill>
                   <a:schemeClr val="lt1"/>
                 </a:solidFill>
@@ -7735,7 +7887,7 @@
               </a:rPr>
               <a:t> Önjáró autók és drónok.</a:t>
             </a:r>
-            <a:endParaRPr sz="1100">
+            <a:endParaRPr sz="1400" dirty="0">
               <a:solidFill>
                 <a:schemeClr val="lt1"/>
               </a:solidFill>
@@ -7755,7 +7907,7 @@
               </a:spcAft>
               <a:buNone/>
             </a:pPr>
-            <a:endParaRPr sz="1100">
+            <a:endParaRPr sz="1100" dirty="0">
               <a:solidFill>
                 <a:schemeClr val="lt1"/>
               </a:solidFill>
@@ -7781,7 +7933,7 @@
               <a:buChar char="●"/>
             </a:pPr>
             <a:r>
-              <a:rPr lang="hu" sz="1100" b="1">
+              <a:rPr lang="hu" sz="1400" b="1" dirty="0">
                 <a:solidFill>
                   <a:schemeClr val="lt1"/>
                 </a:solidFill>
@@ -7793,7 +7945,7 @@
               <a:t>Pénzügy:</a:t>
             </a:r>
             <a:r>
-              <a:rPr lang="hu" sz="1100">
+              <a:rPr lang="hu" sz="1400" dirty="0">
                 <a:solidFill>
                   <a:schemeClr val="lt1"/>
                 </a:solidFill>
@@ -7804,7 +7956,7 @@
               </a:rPr>
               <a:t> Algoritmikus kereskedés, hitelminősítés.</a:t>
             </a:r>
-            <a:endParaRPr sz="1100">
+            <a:endParaRPr sz="1400" dirty="0">
               <a:solidFill>
                 <a:schemeClr val="lt1"/>
               </a:solidFill>
@@ -7824,7 +7976,7 @@
               </a:spcAft>
               <a:buNone/>
             </a:pPr>
-            <a:endParaRPr sz="1100">
+            <a:endParaRPr sz="1100" dirty="0">
               <a:solidFill>
                 <a:schemeClr val="lt1"/>
               </a:solidFill>
@@ -7850,7 +8002,7 @@
               <a:buChar char="●"/>
             </a:pPr>
             <a:r>
-              <a:rPr lang="hu" sz="1100" b="1">
+              <a:rPr lang="hu" sz="1400" b="1" dirty="0">
                 <a:solidFill>
                   <a:schemeClr val="lt1"/>
                 </a:solidFill>
@@ -7862,7 +8014,7 @@
               <a:t>Ügyfélszolgálat:</a:t>
             </a:r>
             <a:r>
-              <a:rPr lang="hu" sz="1100">
+              <a:rPr lang="hu" sz="1400" dirty="0">
                 <a:solidFill>
                   <a:schemeClr val="lt1"/>
                 </a:solidFill>
@@ -7873,7 +8025,7 @@
               </a:rPr>
               <a:t> Chatbotok és virtuális asszisztensek.</a:t>
             </a:r>
-            <a:endParaRPr sz="1100">
+            <a:endParaRPr sz="1400" dirty="0">
               <a:solidFill>
                 <a:schemeClr val="lt1"/>
               </a:solidFill>
@@ -7893,7 +8045,7 @@
               </a:spcAft>
               <a:buNone/>
             </a:pPr>
-            <a:endParaRPr sz="1100" b="1">
+            <a:endParaRPr sz="1100" b="1" dirty="0">
               <a:solidFill>
                 <a:schemeClr val="lt1"/>
               </a:solidFill>
@@ -7927,7 +8079,7 @@
         </p:blipFill>
         <p:spPr>
           <a:xfrm>
-            <a:off x="5562600" y="2571750"/>
+            <a:off x="5876300" y="1989137"/>
             <a:ext cx="2619375" cy="1743075"/>
           </a:xfrm>
           <a:prstGeom prst="rect">
@@ -7942,7 +8094,7 @@
   </p:clrMapOvr>
   <mc:AlternateContent xmlns:mc="http://schemas.openxmlformats.org/markup-compatibility/2006">
     <mc:Choice xmlns:p14="http://schemas.microsoft.com/office/powerpoint/2010/main" Requires="p14">
-      <p:transition spd="slow" p14:dur="3400">
+      <p:transition spd="slow" p14:dur="1500">
         <p14:reveal/>
       </p:transition>
     </mc:Choice>
@@ -8010,7 +8162,7 @@
         </p:spPr>
         <p:txBody>
           <a:bodyPr spcFirstLastPara="1" wrap="square" lIns="91425" tIns="91425" rIns="91425" bIns="91425" anchor="t" anchorCtr="0">
-            <a:normAutofit fontScale="90000"/>
+            <a:noAutofit/>
           </a:bodyPr>
           <a:lstStyle/>
           <a:p>
@@ -8027,14 +8179,14 @@
               <a:buNone/>
             </a:pPr>
             <a:r>
-              <a:rPr lang="hu" sz="2200">
+              <a:rPr lang="hu" sz="2400" dirty="0">
                 <a:solidFill>
                   <a:schemeClr val="lt1"/>
                 </a:solidFill>
               </a:rPr>
               <a:t>Etikai kérdések és kihívások</a:t>
             </a:r>
-            <a:endParaRPr sz="2200">
+            <a:endParaRPr sz="2400" dirty="0">
               <a:solidFill>
                 <a:schemeClr val="lt1"/>
               </a:solidFill>
@@ -8081,7 +8233,7 @@
               <a:buChar char="●"/>
             </a:pPr>
             <a:r>
-              <a:rPr lang="hu" sz="1100" b="1">
+              <a:rPr lang="hu" sz="1400" b="1" dirty="0">
                 <a:solidFill>
                   <a:schemeClr val="lt1"/>
                 </a:solidFill>
@@ -8093,7 +8245,7 @@
               <a:t>Adatvédelem:</a:t>
             </a:r>
             <a:r>
-              <a:rPr lang="hu" sz="1100">
+              <a:rPr lang="hu" sz="1400" dirty="0">
                 <a:solidFill>
                   <a:schemeClr val="lt1"/>
                 </a:solidFill>
@@ -8104,7 +8256,7 @@
               </a:rPr>
               <a:t> Az adatok gyűjtése és felhasználása.</a:t>
             </a:r>
-            <a:endParaRPr sz="1100">
+            <a:endParaRPr sz="1400" dirty="0">
               <a:solidFill>
                 <a:schemeClr val="lt1"/>
               </a:solidFill>
@@ -8124,7 +8276,7 @@
               </a:spcAft>
               <a:buNone/>
             </a:pPr>
-            <a:endParaRPr sz="1100">
+            <a:endParaRPr sz="1100" dirty="0">
               <a:solidFill>
                 <a:schemeClr val="lt1"/>
               </a:solidFill>
@@ -8150,7 +8302,7 @@
               <a:buChar char="●"/>
             </a:pPr>
             <a:r>
-              <a:rPr lang="hu" sz="1100" b="1">
+              <a:rPr lang="hu" sz="1400" b="1" dirty="0">
                 <a:solidFill>
                   <a:schemeClr val="lt1"/>
                 </a:solidFill>
@@ -8162,7 +8314,7 @@
               <a:t>Munkahelyek jövője:</a:t>
             </a:r>
             <a:r>
-              <a:rPr lang="hu" sz="1100">
+              <a:rPr lang="hu" sz="1400" dirty="0">
                 <a:solidFill>
                   <a:schemeClr val="lt1"/>
                 </a:solidFill>
@@ -8173,7 +8325,7 @@
               </a:rPr>
               <a:t> Az automatizálás hatása a munkaerőpiacra.</a:t>
             </a:r>
-            <a:endParaRPr sz="1100">
+            <a:endParaRPr sz="1400" dirty="0">
               <a:solidFill>
                 <a:schemeClr val="lt1"/>
               </a:solidFill>
@@ -8193,7 +8345,7 @@
               </a:spcAft>
               <a:buNone/>
             </a:pPr>
-            <a:endParaRPr sz="1100">
+            <a:endParaRPr sz="1100" dirty="0">
               <a:solidFill>
                 <a:schemeClr val="lt1"/>
               </a:solidFill>
@@ -8219,7 +8371,7 @@
               <a:buChar char="●"/>
             </a:pPr>
             <a:r>
-              <a:rPr lang="hu" sz="1100" b="1">
+              <a:rPr lang="hu" sz="1400" b="1" dirty="0">
                 <a:solidFill>
                   <a:schemeClr val="lt1"/>
                 </a:solidFill>
@@ -8231,7 +8383,7 @@
               <a:t>MI biztonság és szabályozás:</a:t>
             </a:r>
             <a:r>
-              <a:rPr lang="hu" sz="1100">
+              <a:rPr lang="hu" sz="1400" dirty="0">
                 <a:solidFill>
                   <a:schemeClr val="lt1"/>
                 </a:solidFill>
@@ -8242,7 +8394,7 @@
               </a:rPr>
               <a:t> Az MI rendszerek biztonságos és etikus használata.</a:t>
             </a:r>
-            <a:endParaRPr sz="1100">
+            <a:endParaRPr sz="1400" dirty="0">
               <a:solidFill>
                 <a:schemeClr val="lt1"/>
               </a:solidFill>
@@ -8262,7 +8414,7 @@
               </a:spcAft>
               <a:buNone/>
             </a:pPr>
-            <a:endParaRPr sz="1100" b="1">
+            <a:endParaRPr sz="1100" b="1" dirty="0">
               <a:solidFill>
                 <a:schemeClr val="lt1"/>
               </a:solidFill>
@@ -8296,8 +8448,8 @@
         </p:blipFill>
         <p:spPr>
           <a:xfrm>
-            <a:off x="5717625" y="731375"/>
-            <a:ext cx="2857500" cy="1600200"/>
+            <a:off x="3361360" y="3392418"/>
+            <a:ext cx="2421280" cy="1355917"/>
           </a:xfrm>
           <a:prstGeom prst="rect">
             <a:avLst/>
@@ -8311,7 +8463,7 @@
   </p:clrMapOvr>
   <mc:AlternateContent xmlns:mc="http://schemas.openxmlformats.org/markup-compatibility/2006">
     <mc:Choice xmlns:p14="http://schemas.microsoft.com/office/powerpoint/2010/main" Requires="p14">
-      <p:transition spd="slow" p14:dur="3400">
+      <p:transition spd="slow" p14:dur="1500">
         <p14:reveal/>
       </p:transition>
     </mc:Choice>
@@ -8379,7 +8531,7 @@
         </p:spPr>
         <p:txBody>
           <a:bodyPr spcFirstLastPara="1" wrap="square" lIns="91425" tIns="91425" rIns="91425" bIns="91425" anchor="t" anchorCtr="0">
-            <a:normAutofit fontScale="90000"/>
+            <a:noAutofit/>
           </a:bodyPr>
           <a:lstStyle/>
           <a:p>
@@ -8396,14 +8548,14 @@
               <a:buNone/>
             </a:pPr>
             <a:r>
-              <a:rPr lang="hu" sz="2200">
+              <a:rPr lang="hu" sz="2400" dirty="0">
                 <a:solidFill>
                   <a:schemeClr val="lt1"/>
                 </a:solidFill>
               </a:rPr>
               <a:t>Jövőbeli kilátások</a:t>
             </a:r>
-            <a:endParaRPr sz="2200">
+            <a:endParaRPr sz="2400" dirty="0">
               <a:solidFill>
                 <a:schemeClr val="lt1"/>
               </a:solidFill>
@@ -8450,7 +8602,7 @@
               <a:buChar char="●"/>
             </a:pPr>
             <a:r>
-              <a:rPr lang="hu" sz="1100" b="1" dirty="0">
+              <a:rPr lang="hu" sz="1400" b="1" dirty="0">
                 <a:solidFill>
                   <a:schemeClr val="lt1"/>
                 </a:solidFill>
@@ -8462,7 +8614,7 @@
               <a:t>Az MI jövője:</a:t>
             </a:r>
             <a:r>
-              <a:rPr lang="hu" sz="1100" dirty="0">
+              <a:rPr lang="hu" sz="1400" dirty="0">
                 <a:solidFill>
                   <a:schemeClr val="lt1"/>
                 </a:solidFill>
@@ -8473,7 +8625,7 @@
               </a:rPr>
               <a:t> Potenciális fejlődési irányok, mint például a mesterséges általános intelligencia (AGI).</a:t>
             </a:r>
-            <a:endParaRPr sz="1100" dirty="0">
+            <a:endParaRPr sz="1400" dirty="0">
               <a:solidFill>
                 <a:schemeClr val="lt1"/>
               </a:solidFill>
@@ -8519,7 +8671,7 @@
               <a:buChar char="●"/>
             </a:pPr>
             <a:r>
-              <a:rPr lang="hu" sz="1100" b="1" dirty="0">
+              <a:rPr lang="hu" sz="1400" b="1" dirty="0">
                 <a:solidFill>
                   <a:schemeClr val="lt1"/>
                 </a:solidFill>
@@ -8531,7 +8683,7 @@
               <a:t>Társadalmi hatások:</a:t>
             </a:r>
             <a:r>
-              <a:rPr lang="hu" sz="1100" dirty="0">
+              <a:rPr lang="hu" sz="1400" dirty="0">
                 <a:solidFill>
                   <a:schemeClr val="lt1"/>
                 </a:solidFill>
@@ -8542,7 +8694,7 @@
               </a:rPr>
               <a:t> Az MI hatása a mindennapi életre és a társadalomra.</a:t>
             </a:r>
-            <a:endParaRPr sz="1100" b="1" dirty="0">
+            <a:endParaRPr sz="1400" b="1" dirty="0">
               <a:solidFill>
                 <a:schemeClr val="lt1"/>
               </a:solidFill>
@@ -8611,7 +8763,7 @@
   </p:clrMapOvr>
   <mc:AlternateContent xmlns:mc="http://schemas.openxmlformats.org/markup-compatibility/2006">
     <mc:Choice xmlns:p14="http://schemas.microsoft.com/office/powerpoint/2010/main" Requires="p14">
-      <p:transition spd="slow" p14:dur="3400">
+      <p:transition spd="slow" p14:dur="1500">
         <p14:reveal/>
       </p:transition>
     </mc:Choice>
@@ -8679,7 +8831,7 @@
         </p:spPr>
         <p:txBody>
           <a:bodyPr spcFirstLastPara="1" wrap="square" lIns="91425" tIns="91425" rIns="91425" bIns="91425" anchor="t" anchorCtr="0">
-            <a:normAutofit fontScale="90000"/>
+            <a:noAutofit/>
           </a:bodyPr>
           <a:lstStyle/>
           <a:p>
@@ -8696,14 +8848,14 @@
               <a:buNone/>
             </a:pPr>
             <a:r>
-              <a:rPr lang="hu" sz="2200">
+              <a:rPr lang="hu" sz="2400" dirty="0">
                 <a:solidFill>
                   <a:schemeClr val="lt1"/>
                 </a:solidFill>
               </a:rPr>
               <a:t>Az MI korai kezdetek</a:t>
             </a:r>
-            <a:endParaRPr sz="2200">
+            <a:endParaRPr sz="2400" dirty="0">
               <a:solidFill>
                 <a:schemeClr val="lt1"/>
               </a:solidFill>
@@ -8750,7 +8902,7 @@
               <a:buChar char="●"/>
             </a:pPr>
             <a:r>
-              <a:rPr lang="hu" sz="1100" b="1" dirty="0">
+              <a:rPr lang="hu" sz="1400" b="1" dirty="0">
                 <a:solidFill>
                   <a:schemeClr val="lt1"/>
                 </a:solidFill>
@@ -8762,7 +8914,7 @@
               <a:t>Alan Turing és a Turing-teszt (1950):</a:t>
             </a:r>
             <a:r>
-              <a:rPr lang="hu" sz="1100" dirty="0">
+              <a:rPr lang="hu" sz="1400" dirty="0">
                 <a:solidFill>
                   <a:schemeClr val="lt1"/>
                 </a:solidFill>
@@ -8773,7 +8925,7 @@
               </a:rPr>
               <a:t> Turing javasolta, hogy egy gép intelligensnek tekinthető, ha képes megtéveszteni egy embert, hogy azt higgye, a gép is ember.</a:t>
             </a:r>
-            <a:endParaRPr sz="1100" dirty="0">
+            <a:endParaRPr sz="1400" dirty="0">
               <a:solidFill>
                 <a:schemeClr val="lt1"/>
               </a:solidFill>
@@ -8819,7 +8971,7 @@
               <a:buChar char="●"/>
             </a:pPr>
             <a:r>
-              <a:rPr lang="hu" sz="1100" b="1" dirty="0">
+              <a:rPr lang="hu" sz="1400" b="1" dirty="0">
                 <a:solidFill>
                   <a:schemeClr val="lt1"/>
                 </a:solidFill>
@@ -8831,7 +8983,7 @@
               <a:t>Első neurális hálózatok (McCulloch és Pitts, 1943):</a:t>
             </a:r>
             <a:r>
-              <a:rPr lang="hu" sz="1100" dirty="0">
+              <a:rPr lang="hu" sz="1400" dirty="0">
                 <a:solidFill>
                   <a:schemeClr val="lt1"/>
                 </a:solidFill>
@@ -8842,7 +8994,7 @@
               </a:rPr>
               <a:t> Matematikai modellek, amelyek az emberi agy neuronjainak működését próbálták szimulálni.</a:t>
             </a:r>
-            <a:endParaRPr sz="1100" dirty="0">
+            <a:endParaRPr sz="1400" dirty="0">
               <a:solidFill>
                 <a:schemeClr val="lt1"/>
               </a:solidFill>
@@ -8896,7 +9048,7 @@
         </p:blipFill>
         <p:spPr>
           <a:xfrm>
-            <a:off x="6651930" y="2714624"/>
+            <a:off x="6999001" y="2860675"/>
             <a:ext cx="1444891" cy="1929003"/>
           </a:xfrm>
           <a:prstGeom prst="rect">
@@ -8911,7 +9063,7 @@
   </p:clrMapOvr>
   <mc:AlternateContent xmlns:mc="http://schemas.openxmlformats.org/markup-compatibility/2006">
     <mc:Choice xmlns:p14="http://schemas.microsoft.com/office/powerpoint/2010/main" Requires="p14">
-      <p:transition spd="slow" p14:dur="3400">
+      <p:transition spd="slow" p14:dur="1500">
         <p14:reveal/>
       </p:transition>
     </mc:Choice>
@@ -8979,7 +9131,7 @@
         </p:spPr>
         <p:txBody>
           <a:bodyPr spcFirstLastPara="1" wrap="square" lIns="91425" tIns="91425" rIns="91425" bIns="91425" anchor="t" anchorCtr="0">
-            <a:normAutofit fontScale="90000"/>
+            <a:noAutofit/>
           </a:bodyPr>
           <a:lstStyle/>
           <a:p>
@@ -8996,14 +9148,14 @@
               <a:buNone/>
             </a:pPr>
             <a:r>
-              <a:rPr lang="hu" sz="2200">
+              <a:rPr lang="hu" sz="2400" dirty="0">
                 <a:solidFill>
                   <a:schemeClr val="lt1"/>
                 </a:solidFill>
               </a:rPr>
               <a:t>Az MI megszületése</a:t>
             </a:r>
-            <a:endParaRPr sz="2200">
+            <a:endParaRPr sz="2400" dirty="0">
               <a:solidFill>
                 <a:schemeClr val="lt1"/>
               </a:solidFill>
@@ -9045,7 +9197,7 @@
               <a:buNone/>
             </a:pPr>
             <a:r>
-              <a:rPr lang="hu" sz="1100" b="1" dirty="0">
+              <a:rPr lang="hu" sz="1400" b="1" dirty="0">
                 <a:solidFill>
                   <a:schemeClr val="lt1"/>
                 </a:solidFill>
@@ -9057,7 +9209,7 @@
               <a:t>Dartmouth konferencia (1956):</a:t>
             </a:r>
             <a:r>
-              <a:rPr lang="hu" sz="1100" dirty="0">
+              <a:rPr lang="hu" sz="1400" dirty="0">
                 <a:solidFill>
                   <a:schemeClr val="lt1"/>
                 </a:solidFill>
@@ -9068,7 +9220,7 @@
               </a:rPr>
               <a:t> Az MI hivatalos születése, ahol John McCarthy, Marvin Minsky, Claude Shannon és Nathaniel Rochester megalkották az MI kifejezést és lefektették az alapelveket.</a:t>
             </a:r>
-            <a:endParaRPr dirty="0">
+            <a:endParaRPr sz="1400" dirty="0">
               <a:solidFill>
                 <a:schemeClr val="lt1"/>
               </a:solidFill>
@@ -9113,7 +9265,7 @@
   </p:clrMapOvr>
   <mc:AlternateContent xmlns:mc="http://schemas.openxmlformats.org/markup-compatibility/2006">
     <mc:Choice xmlns:p14="http://schemas.microsoft.com/office/powerpoint/2010/main" Requires="p14">
-      <p:transition spd="slow" p14:dur="3400">
+      <p:transition spd="slow" p14:dur="1500">
         <p14:reveal/>
       </p:transition>
     </mc:Choice>
@@ -9181,7 +9333,7 @@
         </p:spPr>
         <p:txBody>
           <a:bodyPr spcFirstLastPara="1" wrap="square" lIns="91425" tIns="91425" rIns="91425" bIns="91425" anchor="t" anchorCtr="0">
-            <a:normAutofit fontScale="90000"/>
+            <a:noAutofit/>
           </a:bodyPr>
           <a:lstStyle/>
           <a:p>
@@ -9198,14 +9350,14 @@
               <a:buNone/>
             </a:pPr>
             <a:r>
-              <a:rPr lang="hu" sz="2200">
+              <a:rPr lang="hu" sz="2400" dirty="0">
                 <a:solidFill>
                   <a:schemeClr val="lt1"/>
                 </a:solidFill>
               </a:rPr>
               <a:t>Az első MI programok</a:t>
             </a:r>
-            <a:endParaRPr sz="2200">
+            <a:endParaRPr sz="2400" dirty="0">
               <a:solidFill>
                 <a:schemeClr val="lt1"/>
               </a:solidFill>
@@ -9252,7 +9404,7 @@
               <a:buChar char="●"/>
             </a:pPr>
             <a:r>
-              <a:rPr lang="hu" sz="1100" b="1" dirty="0">
+              <a:rPr lang="hu" sz="1400" b="1" dirty="0">
                 <a:solidFill>
                   <a:schemeClr val="lt1"/>
                 </a:solidFill>
@@ -9264,7 +9416,7 @@
               <a:t>Logic Theorist (1955):</a:t>
             </a:r>
             <a:r>
-              <a:rPr lang="hu" sz="1100" dirty="0">
+              <a:rPr lang="hu" sz="1400" dirty="0">
                 <a:solidFill>
                   <a:schemeClr val="lt1"/>
                 </a:solidFill>
@@ -9275,7 +9427,7 @@
               </a:rPr>
               <a:t> Az első MI program, amely képes volt matematikai tételek bizonyítására.</a:t>
             </a:r>
-            <a:endParaRPr sz="1100" dirty="0">
+            <a:endParaRPr sz="1400" dirty="0">
               <a:solidFill>
                 <a:schemeClr val="lt1"/>
               </a:solidFill>
@@ -9321,7 +9473,7 @@
               <a:buChar char="●"/>
             </a:pPr>
             <a:r>
-              <a:rPr lang="hu" sz="1100" b="1" dirty="0">
+              <a:rPr lang="hu" sz="1400" b="1" dirty="0">
                 <a:solidFill>
                   <a:schemeClr val="lt1"/>
                 </a:solidFill>
@@ -9333,7 +9485,7 @@
               <a:t>General Problem Solver (1957):</a:t>
             </a:r>
             <a:r>
-              <a:rPr lang="hu" sz="1100" dirty="0">
+              <a:rPr lang="hu" sz="1400" dirty="0">
                 <a:solidFill>
                   <a:schemeClr val="lt1"/>
                 </a:solidFill>
@@ -9344,7 +9496,7 @@
               </a:rPr>
               <a:t> Egy általános célú problémamegoldó program.</a:t>
             </a:r>
-            <a:endParaRPr sz="1100" dirty="0">
+            <a:endParaRPr sz="1400" dirty="0">
               <a:solidFill>
                 <a:schemeClr val="lt1"/>
               </a:solidFill>
@@ -9390,7 +9542,7 @@
               <a:buChar char="●"/>
             </a:pPr>
             <a:r>
-              <a:rPr lang="hu" sz="1100" b="1" dirty="0">
+              <a:rPr lang="hu" sz="1400" b="1" dirty="0">
                 <a:solidFill>
                   <a:schemeClr val="lt1"/>
                 </a:solidFill>
@@ -9402,7 +9554,7 @@
               <a:t>LISP programozási nyelv (1958):</a:t>
             </a:r>
             <a:r>
-              <a:rPr lang="hu" sz="1100" dirty="0">
+              <a:rPr lang="hu" sz="1400" dirty="0">
                 <a:solidFill>
                   <a:schemeClr val="lt1"/>
                 </a:solidFill>
@@ -9413,7 +9565,7 @@
               </a:rPr>
               <a:t> John McCarthy által kifejlesztett nyelv, amely az MI kutatás alapjává vált.</a:t>
             </a:r>
-            <a:endParaRPr sz="1100" dirty="0">
+            <a:endParaRPr sz="1400" dirty="0">
               <a:solidFill>
                 <a:schemeClr val="lt1"/>
               </a:solidFill>
@@ -9467,8 +9619,8 @@
         </p:blipFill>
         <p:spPr>
           <a:xfrm>
-            <a:off x="5766727" y="3149661"/>
-            <a:ext cx="1799044" cy="1682727"/>
+            <a:off x="5323739" y="3323878"/>
+            <a:ext cx="1641329" cy="1535209"/>
           </a:xfrm>
           <a:prstGeom prst="rect">
             <a:avLst/>
@@ -9482,7 +9634,7 @@
   </p:clrMapOvr>
   <mc:AlternateContent xmlns:mc="http://schemas.openxmlformats.org/markup-compatibility/2006">
     <mc:Choice xmlns:p14="http://schemas.microsoft.com/office/powerpoint/2010/main" Requires="p14">
-      <p:transition spd="slow" p14:dur="3400">
+      <p:transition spd="slow" p14:dur="1500">
         <p14:reveal/>
       </p:transition>
     </mc:Choice>
@@ -9550,7 +9702,7 @@
         </p:spPr>
         <p:txBody>
           <a:bodyPr spcFirstLastPara="1" wrap="square" lIns="91425" tIns="91425" rIns="91425" bIns="91425" anchor="t" anchorCtr="0">
-            <a:normAutofit fontScale="90000"/>
+            <a:noAutofit/>
           </a:bodyPr>
           <a:lstStyle/>
           <a:p>
@@ -9567,14 +9719,14 @@
               <a:buNone/>
             </a:pPr>
             <a:r>
-              <a:rPr lang="hu" sz="2200">
+              <a:rPr lang="hu" sz="2400" dirty="0">
                 <a:solidFill>
                   <a:schemeClr val="lt1"/>
                 </a:solidFill>
               </a:rPr>
               <a:t>Az MI tél</a:t>
             </a:r>
-            <a:endParaRPr sz="2200">
+            <a:endParaRPr sz="2400" dirty="0">
               <a:solidFill>
                 <a:schemeClr val="lt1"/>
               </a:solidFill>
@@ -9616,7 +9768,7 @@
               <a:buNone/>
             </a:pPr>
             <a:r>
-              <a:rPr lang="hu" sz="1100" b="1">
+              <a:rPr lang="hu" sz="1400" b="1" dirty="0">
                 <a:solidFill>
                   <a:schemeClr val="lt1"/>
                 </a:solidFill>
@@ -9627,7 +9779,7 @@
               </a:rPr>
               <a:t>Az 1970-es és 1980-as években az MI kutatás finanszírozása jelentősen csökkent, mivel a korai ígéretek nem váltak valóra. Az MI fejlődése lelassult, és sok kutató elhagyta a területet.</a:t>
             </a:r>
-            <a:endParaRPr sz="1100">
+            <a:endParaRPr sz="1400" dirty="0">
               <a:solidFill>
                 <a:schemeClr val="lt1"/>
               </a:solidFill>
@@ -9647,7 +9799,7 @@
               </a:spcAft>
               <a:buNone/>
             </a:pPr>
-            <a:endParaRPr sz="1100" b="1">
+            <a:endParaRPr sz="1100" b="1" dirty="0">
               <a:solidFill>
                 <a:schemeClr val="lt1"/>
               </a:solidFill>
@@ -9696,7 +9848,7 @@
   </p:clrMapOvr>
   <mc:AlternateContent xmlns:mc="http://schemas.openxmlformats.org/markup-compatibility/2006">
     <mc:Choice xmlns:p14="http://schemas.microsoft.com/office/powerpoint/2010/main" Requires="p14">
-      <p:transition spd="slow" p14:dur="3400">
+      <p:transition spd="slow" p14:dur="1500">
         <p14:reveal/>
       </p:transition>
     </mc:Choice>
@@ -9764,7 +9916,7 @@
         </p:spPr>
         <p:txBody>
           <a:bodyPr spcFirstLastPara="1" wrap="square" lIns="91425" tIns="91425" rIns="91425" bIns="91425" anchor="t" anchorCtr="0">
-            <a:normAutofit fontScale="90000"/>
+            <a:noAutofit/>
           </a:bodyPr>
           <a:lstStyle/>
           <a:p>
@@ -9781,14 +9933,14 @@
               <a:buNone/>
             </a:pPr>
             <a:r>
-              <a:rPr lang="hu" sz="2200">
+              <a:rPr lang="hu" sz="2400" dirty="0">
                 <a:solidFill>
                   <a:schemeClr val="lt1"/>
                 </a:solidFill>
               </a:rPr>
               <a:t>Az MI újraéledése</a:t>
             </a:r>
-            <a:endParaRPr sz="2200">
+            <a:endParaRPr sz="2400" dirty="0">
               <a:solidFill>
                 <a:schemeClr val="lt1"/>
               </a:solidFill>
@@ -9835,7 +9987,7 @@
               <a:buChar char="●"/>
             </a:pPr>
             <a:r>
-              <a:rPr lang="hu" sz="1100" b="1">
+              <a:rPr lang="hu" sz="1400" b="1" dirty="0">
                 <a:solidFill>
                   <a:schemeClr val="lt1"/>
                 </a:solidFill>
@@ -9847,7 +9999,7 @@
               <a:t>Expert rendszerek (1980-as évek):</a:t>
             </a:r>
             <a:r>
-              <a:rPr lang="hu" sz="1100">
+              <a:rPr lang="hu" sz="1400" dirty="0">
                 <a:solidFill>
                   <a:schemeClr val="lt1"/>
                 </a:solidFill>
@@ -9858,7 +10010,7 @@
               </a:rPr>
               <a:t> Szakterületi tudást alkalmazó rendszerek, amelyek képesek voltak speciális problémák megoldására.</a:t>
             </a:r>
-            <a:endParaRPr sz="1100">
+            <a:endParaRPr sz="1400" dirty="0">
               <a:solidFill>
                 <a:schemeClr val="lt1"/>
               </a:solidFill>
@@ -9878,7 +10030,7 @@
               </a:spcAft>
               <a:buNone/>
             </a:pPr>
-            <a:endParaRPr sz="1100">
+            <a:endParaRPr sz="1100" dirty="0">
               <a:solidFill>
                 <a:schemeClr val="lt1"/>
               </a:solidFill>
@@ -9904,7 +10056,7 @@
               <a:buChar char="●"/>
             </a:pPr>
             <a:r>
-              <a:rPr lang="hu" sz="1100" b="1">
+              <a:rPr lang="hu" sz="1400" b="1" dirty="0">
                 <a:solidFill>
                   <a:schemeClr val="lt1"/>
                 </a:solidFill>
@@ -9916,7 +10068,7 @@
               <a:t>Japán ötödik generációs számítógép projekt:</a:t>
             </a:r>
             <a:r>
-              <a:rPr lang="hu" sz="1100">
+              <a:rPr lang="hu" sz="1400" dirty="0">
                 <a:solidFill>
                   <a:schemeClr val="lt1"/>
                 </a:solidFill>
@@ -9927,7 +10079,7 @@
               </a:rPr>
               <a:t> Az MI kutatás új lendületet kapott, különösen Japánban, ahol nagy hangsúlyt fektettek a fejlesztésre.</a:t>
             </a:r>
-            <a:endParaRPr sz="1100">
+            <a:endParaRPr sz="1400" dirty="0">
               <a:solidFill>
                 <a:schemeClr val="lt1"/>
               </a:solidFill>
@@ -9947,7 +10099,7 @@
               </a:spcAft>
               <a:buNone/>
             </a:pPr>
-            <a:endParaRPr sz="1100" b="1">
+            <a:endParaRPr sz="1100" b="1" dirty="0">
               <a:solidFill>
                 <a:schemeClr val="lt1"/>
               </a:solidFill>
@@ -9967,7 +10119,7 @@
               </a:spcAft>
               <a:buNone/>
             </a:pPr>
-            <a:endParaRPr sz="1100" b="1">
+            <a:endParaRPr sz="1100" b="1" dirty="0">
               <a:solidFill>
                 <a:schemeClr val="lt1"/>
               </a:solidFill>
@@ -10001,7 +10153,7 @@
         </p:blipFill>
         <p:spPr>
           <a:xfrm>
-            <a:off x="3143250" y="2860675"/>
+            <a:off x="5559401" y="2907397"/>
             <a:ext cx="2857500" cy="1600200"/>
           </a:xfrm>
           <a:prstGeom prst="rect">
@@ -10016,7 +10168,7 @@
   </p:clrMapOvr>
   <mc:AlternateContent xmlns:mc="http://schemas.openxmlformats.org/markup-compatibility/2006">
     <mc:Choice xmlns:p14="http://schemas.microsoft.com/office/powerpoint/2010/main" Requires="p14">
-      <p:transition spd="slow" p14:dur="3400">
+      <p:transition spd="slow" p14:dur="1500">
         <p14:reveal/>
       </p:transition>
     </mc:Choice>
@@ -10084,7 +10236,7 @@
         </p:spPr>
         <p:txBody>
           <a:bodyPr spcFirstLastPara="1" wrap="square" lIns="91425" tIns="91425" rIns="91425" bIns="91425" anchor="t" anchorCtr="0">
-            <a:normAutofit fontScale="90000"/>
+            <a:noAutofit/>
           </a:bodyPr>
           <a:lstStyle/>
           <a:p>
@@ -10101,14 +10253,14 @@
               <a:buNone/>
             </a:pPr>
             <a:r>
-              <a:rPr lang="hu" sz="2200">
+              <a:rPr lang="hu" sz="2400" dirty="0">
                 <a:solidFill>
                   <a:schemeClr val="lt1"/>
                 </a:solidFill>
               </a:rPr>
               <a:t>A gépi tanulás fejlődése</a:t>
             </a:r>
-            <a:endParaRPr sz="2200">
+            <a:endParaRPr sz="2400" dirty="0">
               <a:solidFill>
                 <a:schemeClr val="lt1"/>
               </a:solidFill>
@@ -10155,7 +10307,7 @@
               <a:buChar char="●"/>
             </a:pPr>
             <a:r>
-              <a:rPr lang="hu" sz="1100" b="1" dirty="0">
+              <a:rPr lang="hu" sz="1400" b="1" dirty="0">
                 <a:solidFill>
                   <a:schemeClr val="lt1"/>
                 </a:solidFill>
@@ -10167,7 +10319,7 @@
               <a:t>Neurális hálózatok és a backpropagation algoritmus (1986):</a:t>
             </a:r>
             <a:r>
-              <a:rPr lang="hu" sz="1100" dirty="0">
+              <a:rPr lang="hu" sz="1400" dirty="0">
                 <a:solidFill>
                   <a:schemeClr val="lt1"/>
                 </a:solidFill>
@@ -10178,7 +10330,7 @@
               </a:rPr>
               <a:t> A neurális hálózatok újra népszerűvé váltak, különösen a backpropagation algoritmus felfedezése után, amely lehetővé tette a hálózatok hatékony tanítását.</a:t>
             </a:r>
-            <a:endParaRPr sz="1100" dirty="0">
+            <a:endParaRPr sz="1400" dirty="0">
               <a:solidFill>
                 <a:schemeClr val="lt1"/>
               </a:solidFill>
@@ -10198,7 +10350,7 @@
               </a:spcAft>
               <a:buNone/>
             </a:pPr>
-            <a:endParaRPr sz="1100" dirty="0">
+            <a:endParaRPr sz="1400" dirty="0">
               <a:solidFill>
                 <a:schemeClr val="lt1"/>
               </a:solidFill>
@@ -10224,7 +10376,7 @@
               <a:buChar char="●"/>
             </a:pPr>
             <a:r>
-              <a:rPr lang="hu" sz="1100" b="1" dirty="0">
+              <a:rPr lang="hu" sz="1400" b="1" dirty="0">
                 <a:solidFill>
                   <a:schemeClr val="lt1"/>
                 </a:solidFill>
@@ -10236,7 +10388,7 @@
               <a:t>Gépi tanulás és adatbányászat:</a:t>
             </a:r>
             <a:r>
-              <a:rPr lang="hu" sz="1100" dirty="0">
+              <a:rPr lang="hu" sz="1400" dirty="0">
                 <a:solidFill>
                   <a:schemeClr val="lt1"/>
                 </a:solidFill>
@@ -10247,7 +10399,7 @@
               </a:rPr>
               <a:t> Az adatok növekedésével a gépi tanulás és az adatbányászat egyre fontosabbá váltak.</a:t>
             </a:r>
-            <a:endParaRPr sz="1100" dirty="0">
+            <a:endParaRPr sz="1400" dirty="0">
               <a:solidFill>
                 <a:schemeClr val="lt1"/>
               </a:solidFill>
@@ -10321,8 +10473,8 @@
         </p:blipFill>
         <p:spPr>
           <a:xfrm>
-            <a:off x="3262312" y="2860675"/>
-            <a:ext cx="2619375" cy="1743075"/>
+            <a:off x="5254591" y="3191647"/>
+            <a:ext cx="2402501" cy="1598755"/>
           </a:xfrm>
           <a:prstGeom prst="rect">
             <a:avLst/>
@@ -10336,7 +10488,7 @@
   </p:clrMapOvr>
   <mc:AlternateContent xmlns:mc="http://schemas.openxmlformats.org/markup-compatibility/2006">
     <mc:Choice xmlns:p14="http://schemas.microsoft.com/office/powerpoint/2010/main" Requires="p14">
-      <p:transition spd="slow" p14:dur="3400">
+      <p:transition spd="slow" p14:dur="1500">
         <p14:reveal/>
       </p:transition>
     </mc:Choice>
@@ -10404,7 +10556,7 @@
         </p:spPr>
         <p:txBody>
           <a:bodyPr spcFirstLastPara="1" wrap="square" lIns="91425" tIns="91425" rIns="91425" bIns="91425" anchor="t" anchorCtr="0">
-            <a:normAutofit fontScale="90000"/>
+            <a:noAutofit/>
           </a:bodyPr>
           <a:lstStyle/>
           <a:p>
@@ -10421,14 +10573,14 @@
               <a:buNone/>
             </a:pPr>
             <a:r>
-              <a:rPr lang="hu" sz="2200">
+              <a:rPr lang="hu" sz="2400" dirty="0">
                 <a:solidFill>
                   <a:schemeClr val="lt1"/>
                 </a:solidFill>
               </a:rPr>
               <a:t>Az MI a 21. században</a:t>
             </a:r>
-            <a:endParaRPr sz="2200">
+            <a:endParaRPr sz="2400" dirty="0">
               <a:solidFill>
                 <a:schemeClr val="lt1"/>
               </a:solidFill>
@@ -10475,7 +10627,7 @@
               <a:buChar char="●"/>
             </a:pPr>
             <a:r>
-              <a:rPr lang="hu" sz="1100" b="1">
+              <a:rPr lang="hu" sz="1400" b="1" dirty="0">
                 <a:solidFill>
                   <a:schemeClr val="lt1"/>
                 </a:solidFill>
@@ -10487,7 +10639,7 @@
               <a:t>Deep Blue legyőzi Garri Kaszparovot (1997):</a:t>
             </a:r>
             <a:r>
-              <a:rPr lang="hu" sz="1100">
+              <a:rPr lang="hu" sz="1400" dirty="0">
                 <a:solidFill>
                   <a:schemeClr val="lt1"/>
                 </a:solidFill>
@@ -10498,7 +10650,7 @@
               </a:rPr>
               <a:t> Az IBM számítógépe legyőzte a sakkvilágbajnokot, ami nagy áttörést jelentett az MI számára.</a:t>
             </a:r>
-            <a:endParaRPr sz="1100">
+            <a:endParaRPr sz="1400" dirty="0">
               <a:solidFill>
                 <a:schemeClr val="lt1"/>
               </a:solidFill>
@@ -10518,7 +10670,7 @@
               </a:spcAft>
               <a:buNone/>
             </a:pPr>
-            <a:endParaRPr sz="1100">
+            <a:endParaRPr sz="1100" dirty="0">
               <a:solidFill>
                 <a:schemeClr val="lt1"/>
               </a:solidFill>
@@ -10544,7 +10696,7 @@
               <a:buChar char="●"/>
             </a:pPr>
             <a:r>
-              <a:rPr lang="hu" sz="1100" b="1">
+              <a:rPr lang="hu" sz="1400" b="1" dirty="0">
                 <a:solidFill>
                   <a:schemeClr val="lt1"/>
                 </a:solidFill>
@@ -10556,7 +10708,7 @@
               <a:t>Watson nyer a Jeopardy!-n (2011):</a:t>
             </a:r>
             <a:r>
-              <a:rPr lang="hu" sz="1100">
+              <a:rPr lang="hu" sz="1400" dirty="0">
                 <a:solidFill>
                   <a:schemeClr val="lt1"/>
                 </a:solidFill>
@@ -10567,7 +10719,7 @@
               </a:rPr>
               <a:t> Az IBM Watson rendszere legyőzte az emberi bajnokokat a Jeopardy! vetélkedőben, bemutatva az MI képességeit a természetes nyelv feldolgozásában.</a:t>
             </a:r>
-            <a:endParaRPr sz="1100" b="1">
+            <a:endParaRPr sz="1400" b="1" dirty="0">
               <a:solidFill>
                 <a:schemeClr val="lt1"/>
               </a:solidFill>
@@ -10587,7 +10739,7 @@
               </a:spcAft>
               <a:buNone/>
             </a:pPr>
-            <a:endParaRPr sz="1100" b="1">
+            <a:endParaRPr sz="1100" b="1" dirty="0">
               <a:solidFill>
                 <a:schemeClr val="lt1"/>
               </a:solidFill>
@@ -10607,7 +10759,7 @@
               </a:spcAft>
               <a:buNone/>
             </a:pPr>
-            <a:endParaRPr sz="1100" b="1">
+            <a:endParaRPr sz="1100" b="1" dirty="0">
               <a:solidFill>
                 <a:schemeClr val="lt1"/>
               </a:solidFill>
@@ -10641,7 +10793,7 @@
         </p:blipFill>
         <p:spPr>
           <a:xfrm>
-            <a:off x="3148012" y="2968675"/>
+            <a:off x="3148012" y="3098275"/>
             <a:ext cx="2847975" cy="1600200"/>
           </a:xfrm>
           <a:prstGeom prst="rect">
@@ -10656,7 +10808,7 @@
   </p:clrMapOvr>
   <mc:AlternateContent xmlns:mc="http://schemas.openxmlformats.org/markup-compatibility/2006">
     <mc:Choice xmlns:p14="http://schemas.microsoft.com/office/powerpoint/2010/main" Requires="p14">
-      <p:transition spd="slow" p14:dur="3400">
+      <p:transition spd="slow" p14:dur="1500">
         <p14:reveal/>
       </p:transition>
     </mc:Choice>
@@ -10724,7 +10876,7 @@
         </p:spPr>
         <p:txBody>
           <a:bodyPr spcFirstLastPara="1" wrap="square" lIns="91425" tIns="91425" rIns="91425" bIns="91425" anchor="t" anchorCtr="0">
-            <a:normAutofit fontScale="90000"/>
+            <a:noAutofit/>
           </a:bodyPr>
           <a:lstStyle/>
           <a:p>
@@ -10741,14 +10893,14 @@
               <a:buNone/>
             </a:pPr>
             <a:r>
-              <a:rPr lang="hu" sz="2200">
+              <a:rPr lang="hu" sz="2400" dirty="0">
                 <a:solidFill>
                   <a:schemeClr val="lt1"/>
                 </a:solidFill>
               </a:rPr>
               <a:t>Mély tanulás és big data</a:t>
             </a:r>
-            <a:endParaRPr sz="2200">
+            <a:endParaRPr sz="2400" dirty="0">
               <a:solidFill>
                 <a:schemeClr val="lt1"/>
               </a:solidFill>
@@ -10795,7 +10947,7 @@
               <a:buChar char="●"/>
             </a:pPr>
             <a:r>
-              <a:rPr lang="hu" sz="1100" b="1">
+              <a:rPr lang="hu" sz="1400" b="1" dirty="0">
                 <a:solidFill>
                   <a:schemeClr val="lt1"/>
                 </a:solidFill>
@@ -10807,7 +10959,7 @@
               <a:t>Mély tanulás áttörései (2012):</a:t>
             </a:r>
             <a:r>
-              <a:rPr lang="hu" sz="1100">
+              <a:rPr lang="hu" sz="1400" dirty="0">
                 <a:solidFill>
                   <a:schemeClr val="lt1"/>
                 </a:solidFill>
@@ -10818,7 +10970,7 @@
               </a:rPr>
               <a:t> Az AlexNet nevű neurális hálózat forradalmasította a képfelismerést, és megnyerte az ImageNet versenyt.</a:t>
             </a:r>
-            <a:endParaRPr sz="1100">
+            <a:endParaRPr sz="1400" dirty="0">
               <a:solidFill>
                 <a:schemeClr val="lt1"/>
               </a:solidFill>
@@ -10838,7 +10990,7 @@
               </a:spcAft>
               <a:buNone/>
             </a:pPr>
-            <a:endParaRPr sz="1100">
+            <a:endParaRPr sz="1100" dirty="0">
               <a:solidFill>
                 <a:schemeClr val="lt1"/>
               </a:solidFill>
@@ -10864,7 +11016,7 @@
               <a:buChar char="●"/>
             </a:pPr>
             <a:r>
-              <a:rPr lang="hu" sz="1100" b="1">
+              <a:rPr lang="hu" sz="1400" b="1" dirty="0">
                 <a:solidFill>
                   <a:schemeClr val="lt1"/>
                 </a:solidFill>
@@ -10876,7 +11028,7 @@
               <a:t>Big data:</a:t>
             </a:r>
             <a:r>
-              <a:rPr lang="hu" sz="1100">
+              <a:rPr lang="hu" sz="1400" dirty="0">
                 <a:solidFill>
                   <a:schemeClr val="lt1"/>
                 </a:solidFill>
@@ -10887,7 +11039,7 @@
               </a:rPr>
               <a:t> Az adatok robbanásszerű növekedése lehetővé tette a mély tanulási modellek hatékonyabb tanítását.</a:t>
             </a:r>
-            <a:endParaRPr sz="1100">
+            <a:endParaRPr sz="1400" dirty="0">
               <a:solidFill>
                 <a:schemeClr val="lt1"/>
               </a:solidFill>
@@ -10907,7 +11059,7 @@
               </a:spcAft>
               <a:buNone/>
             </a:pPr>
-            <a:endParaRPr sz="1100" b="1">
+            <a:endParaRPr sz="1100" b="1" dirty="0">
               <a:solidFill>
                 <a:schemeClr val="lt1"/>
               </a:solidFill>
@@ -10940,7 +11092,7 @@
         </p:blipFill>
         <p:spPr>
           <a:xfrm>
-            <a:off x="1836000" y="3060000"/>
+            <a:off x="3598056" y="3020862"/>
             <a:ext cx="2664000" cy="1404000"/>
           </a:xfrm>
           <a:prstGeom prst="rect">
@@ -10955,7 +11107,7 @@
   </p:clrMapOvr>
   <mc:AlternateContent xmlns:mc="http://schemas.openxmlformats.org/markup-compatibility/2006">
     <mc:Choice xmlns:p14="http://schemas.microsoft.com/office/powerpoint/2010/main" Requires="p14">
-      <p:transition spd="slow" p14:dur="3400">
+      <p:transition spd="slow" p14:dur="1500">
         <p14:reveal/>
       </p:transition>
     </mc:Choice>
